--- a/Figures/schematic_plot.pptx
+++ b/Figures/schematic_plot.pptx
@@ -105,7 +105,57 @@
       </a:defRPr>
     </a:lvl9pPr>
   </p:defaultTextStyle>
+  <p:extLst>
+    <p:ext uri="{EFAFB233-063F-42B5-8137-9DF3F51BA10A}">
+      <p15:sldGuideLst xmlns:p15="http://schemas.microsoft.com/office/powerpoint/2012/main"/>
+    </p:ext>
+  </p:extLst>
 </p:presentation>
+</file>
+
+<file path=ppt/changesInfos/changesInfo1.xml><?xml version="1.0" encoding="utf-8"?>
+<pc:chgInfo xmlns:a="http://schemas.openxmlformats.org/drawingml/2006/main" xmlns:r="http://schemas.openxmlformats.org/officeDocument/2006/relationships" xmlns:ac="http://schemas.microsoft.com/office/drawing/2013/main/command" xmlns:pc="http://schemas.microsoft.com/office/powerpoint/2013/main/command">
+  <pc:docChgLst>
+    <pc:chgData name="Timo Luebbing" userId="3558e4686926b9e5" providerId="LiveId" clId="{798F5FF0-1758-4D30-ABCC-350A40410716}"/>
+    <pc:docChg chg="modSld">
+      <pc:chgData name="Timo Luebbing" userId="3558e4686926b9e5" providerId="LiveId" clId="{798F5FF0-1758-4D30-ABCC-350A40410716}" dt="2024-01-16T11:58:36.905" v="18" actId="113"/>
+      <pc:docMkLst>
+        <pc:docMk/>
+      </pc:docMkLst>
+      <pc:sldChg chg="modSp mod">
+        <pc:chgData name="Timo Luebbing" userId="3558e4686926b9e5" providerId="LiveId" clId="{798F5FF0-1758-4D30-ABCC-350A40410716}" dt="2024-01-16T11:58:36.905" v="18" actId="113"/>
+        <pc:sldMkLst>
+          <pc:docMk/>
+          <pc:sldMk cId="3948160977" sldId="256"/>
+        </pc:sldMkLst>
+        <pc:spChg chg="mod">
+          <ac:chgData name="Timo Luebbing" userId="3558e4686926b9e5" providerId="LiveId" clId="{798F5FF0-1758-4D30-ABCC-350A40410716}" dt="2024-01-16T11:56:46.566" v="9" actId="1076"/>
+          <ac:spMkLst>
+            <pc:docMk/>
+            <pc:sldMk cId="3948160977" sldId="256"/>
+            <ac:spMk id="95" creationId="{4BAB289C-338E-D187-0D23-56EB87272BC9}"/>
+          </ac:spMkLst>
+        </pc:spChg>
+        <pc:spChg chg="mod">
+          <ac:chgData name="Timo Luebbing" userId="3558e4686926b9e5" providerId="LiveId" clId="{798F5FF0-1758-4D30-ABCC-350A40410716}" dt="2024-01-16T11:58:36.905" v="18" actId="113"/>
+          <ac:spMkLst>
+            <pc:docMk/>
+            <pc:sldMk cId="3948160977" sldId="256"/>
+            <ac:spMk id="96" creationId="{6B59233C-3899-6AF5-17E5-3E0CFD0FCB64}"/>
+          </ac:spMkLst>
+        </pc:spChg>
+        <pc:cxnChg chg="mod">
+          <ac:chgData name="Timo Luebbing" userId="3558e4686926b9e5" providerId="LiveId" clId="{798F5FF0-1758-4D30-ABCC-350A40410716}" dt="2024-01-16T11:57:52.819" v="17" actId="208"/>
+          <ac:cxnSpMkLst>
+            <pc:docMk/>
+            <pc:sldMk cId="3948160977" sldId="256"/>
+            <ac:cxnSpMk id="8" creationId="{8D47468F-9B08-D632-678F-169F53FD2FE5}"/>
+          </ac:cxnSpMkLst>
+        </pc:cxnChg>
+      </pc:sldChg>
+    </pc:docChg>
+  </pc:docChgLst>
+</pc:chgInfo>
 </file>
 
 <file path=ppt/slideLayouts/slideLayout1.xml><?xml version="1.0" encoding="utf-8"?>
@@ -257,7 +307,7 @@
           <a:p>
             <a:fld id="{15E051AD-6864-4CE5-A7E8-B2ED4A549806}" type="datetimeFigureOut">
               <a:rPr lang="en-US" smtClean="0"/>
-              <a:t>1/15/2024</a:t>
+              <a:t>1/16/2024</a:t>
             </a:fld>
             <a:endParaRPr lang="en-US"/>
           </a:p>
@@ -457,7 +507,7 @@
           <a:p>
             <a:fld id="{15E051AD-6864-4CE5-A7E8-B2ED4A549806}" type="datetimeFigureOut">
               <a:rPr lang="en-US" smtClean="0"/>
-              <a:t>1/15/2024</a:t>
+              <a:t>1/16/2024</a:t>
             </a:fld>
             <a:endParaRPr lang="en-US"/>
           </a:p>
@@ -667,7 +717,7 @@
           <a:p>
             <a:fld id="{15E051AD-6864-4CE5-A7E8-B2ED4A549806}" type="datetimeFigureOut">
               <a:rPr lang="en-US" smtClean="0"/>
-              <a:t>1/15/2024</a:t>
+              <a:t>1/16/2024</a:t>
             </a:fld>
             <a:endParaRPr lang="en-US"/>
           </a:p>
@@ -867,7 +917,7 @@
           <a:p>
             <a:fld id="{15E051AD-6864-4CE5-A7E8-B2ED4A549806}" type="datetimeFigureOut">
               <a:rPr lang="en-US" smtClean="0"/>
-              <a:t>1/15/2024</a:t>
+              <a:t>1/16/2024</a:t>
             </a:fld>
             <a:endParaRPr lang="en-US"/>
           </a:p>
@@ -1143,7 +1193,7 @@
           <a:p>
             <a:fld id="{15E051AD-6864-4CE5-A7E8-B2ED4A549806}" type="datetimeFigureOut">
               <a:rPr lang="en-US" smtClean="0"/>
-              <a:t>1/15/2024</a:t>
+              <a:t>1/16/2024</a:t>
             </a:fld>
             <a:endParaRPr lang="en-US"/>
           </a:p>
@@ -1411,7 +1461,7 @@
           <a:p>
             <a:fld id="{15E051AD-6864-4CE5-A7E8-B2ED4A549806}" type="datetimeFigureOut">
               <a:rPr lang="en-US" smtClean="0"/>
-              <a:t>1/15/2024</a:t>
+              <a:t>1/16/2024</a:t>
             </a:fld>
             <a:endParaRPr lang="en-US"/>
           </a:p>
@@ -1826,7 +1876,7 @@
           <a:p>
             <a:fld id="{15E051AD-6864-4CE5-A7E8-B2ED4A549806}" type="datetimeFigureOut">
               <a:rPr lang="en-US" smtClean="0"/>
-              <a:t>1/15/2024</a:t>
+              <a:t>1/16/2024</a:t>
             </a:fld>
             <a:endParaRPr lang="en-US"/>
           </a:p>
@@ -1968,7 +2018,7 @@
           <a:p>
             <a:fld id="{15E051AD-6864-4CE5-A7E8-B2ED4A549806}" type="datetimeFigureOut">
               <a:rPr lang="en-US" smtClean="0"/>
-              <a:t>1/15/2024</a:t>
+              <a:t>1/16/2024</a:t>
             </a:fld>
             <a:endParaRPr lang="en-US"/>
           </a:p>
@@ -2081,7 +2131,7 @@
           <a:p>
             <a:fld id="{15E051AD-6864-4CE5-A7E8-B2ED4A549806}" type="datetimeFigureOut">
               <a:rPr lang="en-US" smtClean="0"/>
-              <a:t>1/15/2024</a:t>
+              <a:t>1/16/2024</a:t>
             </a:fld>
             <a:endParaRPr lang="en-US"/>
           </a:p>
@@ -2394,7 +2444,7 @@
           <a:p>
             <a:fld id="{15E051AD-6864-4CE5-A7E8-B2ED4A549806}" type="datetimeFigureOut">
               <a:rPr lang="en-US" smtClean="0"/>
-              <a:t>1/15/2024</a:t>
+              <a:t>1/16/2024</a:t>
             </a:fld>
             <a:endParaRPr lang="en-US"/>
           </a:p>
@@ -2683,7 +2733,7 @@
           <a:p>
             <a:fld id="{15E051AD-6864-4CE5-A7E8-B2ED4A549806}" type="datetimeFigureOut">
               <a:rPr lang="en-US" smtClean="0"/>
-              <a:t>1/15/2024</a:t>
+              <a:t>1/16/2024</a:t>
             </a:fld>
             <a:endParaRPr lang="en-US"/>
           </a:p>
@@ -2926,7 +2976,7 @@
           <a:p>
             <a:fld id="{15E051AD-6864-4CE5-A7E8-B2ED4A549806}" type="datetimeFigureOut">
               <a:rPr lang="en-US" smtClean="0"/>
-              <a:t>1/15/2024</a:t>
+              <a:t>1/16/2024</a:t>
             </a:fld>
             <a:endParaRPr lang="en-US"/>
           </a:p>
@@ -3586,7 +3636,7 @@
               </a:prstGeom>
               <a:ln w="19050">
                 <a:solidFill>
-                  <a:srgbClr val="0070C0"/>
+                  <a:srgbClr val="00B0F0"/>
                 </a:solidFill>
               </a:ln>
             </p:spPr>
@@ -3749,11 +3799,14 @@
           </p:nvSpPr>
           <p:spPr>
             <a:xfrm rot="422223">
-              <a:off x="6475852" y="3600560"/>
-              <a:ext cx="360000" cy="360000"/>
+              <a:off x="6786825" y="3286264"/>
+              <a:ext cx="413033" cy="404323"/>
             </a:xfrm>
             <a:prstGeom prst="arc">
-              <a:avLst/>
+              <a:avLst>
+                <a:gd name="adj1" fmla="val 14235875"/>
+                <a:gd name="adj2" fmla="val 1079874"/>
+              </a:avLst>
             </a:prstGeom>
             <a:ln w="12700">
               <a:solidFill>
@@ -3802,8 +3855,8 @@
           </p:nvSpPr>
           <p:spPr>
             <a:xfrm>
-              <a:off x="6565274" y="3532303"/>
-              <a:ext cx="181156" cy="400109"/>
+              <a:off x="6812184" y="3248357"/>
+              <a:ext cx="181156" cy="480132"/>
             </a:xfrm>
             <a:prstGeom prst="rect">
               <a:avLst/>
@@ -3817,7 +3870,7 @@
             <a:lstStyle/>
             <a:p>
               <a:r>
-                <a:rPr lang="en-US" sz="900" dirty="0">
+                <a:rPr lang="en-US" sz="1200" b="1" dirty="0">
                   <a:solidFill>
                     <a:srgbClr val="FF0000"/>
                   </a:solidFill>
@@ -3825,7 +3878,7 @@
                 </a:rPr>
                 <a:t></a:t>
               </a:r>
-              <a:endParaRPr lang="en-US" sz="900" dirty="0">
+              <a:endParaRPr lang="en-US" sz="900" b="1" dirty="0">
                 <a:solidFill>
                   <a:srgbClr val="FF0000"/>
                 </a:solidFill>
